--- a/docs/diagrams/DeleteEmployee1SequenceDiagram.pptx
+++ b/docs/diagrams/DeleteEmployee1SequenceDiagram.pptx
@@ -208,7 +208,7 @@
           <a:p>
             <a:fld id="{F5CC4B3F-88C1-4FFA-B1B6-F41C21DC6924}" type="datetimeFigureOut">
               <a:rPr lang="en-US" smtClean="0"/>
-              <a:t>3/31/2019</a:t>
+              <a:t>4/1/2019</a:t>
             </a:fld>
             <a:endParaRPr lang="en-US"/>
           </a:p>
@@ -654,7 +654,7 @@
           <a:p>
             <a:fld id="{78C97017-6FC3-485B-9764-EAC9E56C1D49}" type="datetimeFigureOut">
               <a:rPr lang="en-US" smtClean="0"/>
-              <a:t>3/31/2019</a:t>
+              <a:t>4/1/2019</a:t>
             </a:fld>
             <a:endParaRPr lang="en-US"/>
           </a:p>
@@ -822,7 +822,7 @@
           <a:p>
             <a:fld id="{78C97017-6FC3-485B-9764-EAC9E56C1D49}" type="datetimeFigureOut">
               <a:rPr lang="en-US" smtClean="0"/>
-              <a:t>3/31/2019</a:t>
+              <a:t>4/1/2019</a:t>
             </a:fld>
             <a:endParaRPr lang="en-US"/>
           </a:p>
@@ -1000,7 +1000,7 @@
           <a:p>
             <a:fld id="{78C97017-6FC3-485B-9764-EAC9E56C1D49}" type="datetimeFigureOut">
               <a:rPr lang="en-US" smtClean="0"/>
-              <a:t>3/31/2019</a:t>
+              <a:t>4/1/2019</a:t>
             </a:fld>
             <a:endParaRPr lang="en-US"/>
           </a:p>
@@ -1168,7 +1168,7 @@
           <a:p>
             <a:fld id="{78C97017-6FC3-485B-9764-EAC9E56C1D49}" type="datetimeFigureOut">
               <a:rPr lang="en-US" smtClean="0"/>
-              <a:t>3/31/2019</a:t>
+              <a:t>4/1/2019</a:t>
             </a:fld>
             <a:endParaRPr lang="en-US"/>
           </a:p>
@@ -1413,7 +1413,7 @@
           <a:p>
             <a:fld id="{78C97017-6FC3-485B-9764-EAC9E56C1D49}" type="datetimeFigureOut">
               <a:rPr lang="en-US" smtClean="0"/>
-              <a:t>3/31/2019</a:t>
+              <a:t>4/1/2019</a:t>
             </a:fld>
             <a:endParaRPr lang="en-US"/>
           </a:p>
@@ -1698,7 +1698,7 @@
           <a:p>
             <a:fld id="{78C97017-6FC3-485B-9764-EAC9E56C1D49}" type="datetimeFigureOut">
               <a:rPr lang="en-US" smtClean="0"/>
-              <a:t>3/31/2019</a:t>
+              <a:t>4/1/2019</a:t>
             </a:fld>
             <a:endParaRPr lang="en-US"/>
           </a:p>
@@ -2117,7 +2117,7 @@
           <a:p>
             <a:fld id="{78C97017-6FC3-485B-9764-EAC9E56C1D49}" type="datetimeFigureOut">
               <a:rPr lang="en-US" smtClean="0"/>
-              <a:t>3/31/2019</a:t>
+              <a:t>4/1/2019</a:t>
             </a:fld>
             <a:endParaRPr lang="en-US"/>
           </a:p>
@@ -2234,7 +2234,7 @@
           <a:p>
             <a:fld id="{78C97017-6FC3-485B-9764-EAC9E56C1D49}" type="datetimeFigureOut">
               <a:rPr lang="en-US" smtClean="0"/>
-              <a:t>3/31/2019</a:t>
+              <a:t>4/1/2019</a:t>
             </a:fld>
             <a:endParaRPr lang="en-US"/>
           </a:p>
@@ -2329,7 +2329,7 @@
           <a:p>
             <a:fld id="{78C97017-6FC3-485B-9764-EAC9E56C1D49}" type="datetimeFigureOut">
               <a:rPr lang="en-US" smtClean="0"/>
-              <a:t>3/31/2019</a:t>
+              <a:t>4/1/2019</a:t>
             </a:fld>
             <a:endParaRPr lang="en-US"/>
           </a:p>
@@ -2604,7 +2604,7 @@
           <a:p>
             <a:fld id="{78C97017-6FC3-485B-9764-EAC9E56C1D49}" type="datetimeFigureOut">
               <a:rPr lang="en-US" smtClean="0"/>
-              <a:t>3/31/2019</a:t>
+              <a:t>4/1/2019</a:t>
             </a:fld>
             <a:endParaRPr lang="en-US"/>
           </a:p>
@@ -2856,7 +2856,7 @@
           <a:p>
             <a:fld id="{78C97017-6FC3-485B-9764-EAC9E56C1D49}" type="datetimeFigureOut">
               <a:rPr lang="en-US" smtClean="0"/>
-              <a:t>3/31/2019</a:t>
+              <a:t>4/1/2019</a:t>
             </a:fld>
             <a:endParaRPr lang="en-US"/>
           </a:p>
@@ -3067,7 +3067,7 @@
           <a:p>
             <a:fld id="{78C97017-6FC3-485B-9764-EAC9E56C1D49}" type="datetimeFigureOut">
               <a:rPr lang="en-US" smtClean="0"/>
-              <a:t>3/31/2019</a:t>
+              <a:t>4/1/2019</a:t>
             </a:fld>
             <a:endParaRPr lang="en-US"/>
           </a:p>
@@ -3664,8 +3664,8 @@
         </p:nvSpPr>
         <p:spPr>
           <a:xfrm>
-            <a:off x="3429818" y="323304"/>
-            <a:ext cx="1219200" cy="467684"/>
+            <a:off x="3303278" y="359739"/>
+            <a:ext cx="1455629" cy="467684"/>
           </a:xfrm>
           <a:prstGeom prst="rect">
             <a:avLst/>
@@ -3705,18 +3705,15 @@
                   <a:schemeClr val="bg1"/>
                 </a:solidFill>
               </a:rPr>
-              <a:t>:Address</a:t>
-            </a:r>
-          </a:p>
-          <a:p>
-            <a:pPr algn="ctr"/>
+              <a:t>:</a:t>
+            </a:r>
             <a:r>
               <a:rPr lang="en-US" sz="1600" dirty="0" err="1">
                 <a:solidFill>
                   <a:schemeClr val="bg1"/>
                 </a:solidFill>
               </a:rPr>
-              <a:t>BookParser</a:t>
+              <a:t>PocketProjectParser</a:t>
             </a:r>
             <a:endParaRPr lang="en-SG" sz="1600" dirty="0">
               <a:solidFill>
@@ -3736,9 +3733,9 @@
           <p:nvPr/>
         </p:nvCxnSpPr>
         <p:spPr>
-          <a:xfrm>
-            <a:off x="4039418" y="790988"/>
-            <a:ext cx="11169" cy="1599613"/>
+          <a:xfrm flipH="1">
+            <a:off x="4023602" y="827423"/>
+            <a:ext cx="7491" cy="2233029"/>
           </a:xfrm>
           <a:prstGeom prst="line">
             <a:avLst/>
@@ -4428,14 +4425,14 @@
             <a:r>
               <a:rPr lang="en-US" sz="1600" dirty="0">
                 <a:solidFill>
-                  <a:schemeClr val="bg1"/>
+                  <a:schemeClr val="tx1"/>
                 </a:solidFill>
               </a:rPr>
               <a:t>: Model</a:t>
             </a:r>
             <a:endParaRPr lang="en-SG" sz="1600" dirty="0">
               <a:solidFill>
-                <a:schemeClr val="bg1"/>
+                <a:schemeClr val="tx1"/>
               </a:solidFill>
             </a:endParaRPr>
           </a:p>
